--- a/Linear Regression Model.pptx
+++ b/Linear Regression Model.pptx
@@ -3069,15 +3069,7 @@
                   <a:schemeClr val="bg1"/>
                 </a:solidFill>
               </a:rPr>
-              <a:t>Linear Regression Model </a:t>
-            </a:r>
-            <a:r>
-              <a:rPr lang="en-US" dirty="0" smtClean="0">
-                <a:solidFill>
-                  <a:schemeClr val="bg1"/>
-                </a:solidFill>
-              </a:rPr>
-              <a:t>Building</a:t>
+              <a:t>Linear Regression Model Building</a:t>
             </a:r>
           </a:p>
           <a:p>
@@ -3580,13 +3572,18 @@
               <a:buChar char="Ø"/>
             </a:pPr>
             <a:r>
-              <a:rPr lang="en-US" dirty="0" smtClean="0">
-                <a:solidFill>
-                  <a:schemeClr val="bg1"/>
-                </a:solidFill>
-              </a:rPr>
-              <a:t>Multiple Linear Univariate Regression Model-</a:t>
-            </a:r>
+              <a:rPr lang="en-US">
+                <a:solidFill>
+                  <a:schemeClr val="bg1"/>
+                </a:solidFill>
+              </a:rPr>
+              <a:t>Linear Multivariate Regression Model-</a:t>
+            </a:r>
+            <a:endParaRPr lang="en-US" dirty="0" smtClean="0">
+              <a:solidFill>
+                <a:schemeClr val="bg1"/>
+              </a:solidFill>
+            </a:endParaRPr>
           </a:p>
           <a:p>
             <a:pPr lvl="1">
@@ -3613,7 +3610,15 @@
                   <a:schemeClr val="bg1"/>
                 </a:solidFill>
               </a:rPr>
-              <a:t>If we use the attractiveness as an integer, we get following results-</a:t>
+              <a:t>If </a:t>
+            </a:r>
+            <a:r>
+              <a:rPr lang="en-US" dirty="0" smtClean="0">
+                <a:solidFill>
+                  <a:schemeClr val="bg1"/>
+                </a:solidFill>
+              </a:rPr>
+              <a:t>we use the attractiveness as an integer, we get following results-</a:t>
             </a:r>
           </a:p>
           <a:p>
@@ -3903,7 +3908,7 @@
                   <a:schemeClr val="bg1"/>
                 </a:solidFill>
               </a:rPr>
-              <a:t>Multiple Linear Univariate Regression Model-</a:t>
+              <a:t>Linear Multivariate Regression Model-</a:t>
             </a:r>
           </a:p>
           <a:p>
@@ -4403,6 +4408,13 @@
   <p:clrMapOvr>
     <a:masterClrMapping/>
   </p:clrMapOvr>
+  <p:timing>
+    <p:tnLst>
+      <p:par>
+        <p:cTn id="1" dur="indefinite" restart="never" nodeType="tmRoot"/>
+      </p:par>
+    </p:tnLst>
+  </p:timing>
 </p:sld>
 </file>
 
@@ -4458,12 +4470,28 @@
               <a:buChar char="Ø"/>
             </a:pPr>
             <a:r>
-              <a:rPr lang="en-US" dirty="0" smtClean="0">
-                <a:solidFill>
-                  <a:schemeClr val="bg1"/>
-                </a:solidFill>
-              </a:rPr>
-              <a:t>Multiple Linear Univariate Regression Model-</a:t>
+              <a:rPr lang="en-US">
+                <a:solidFill>
+                  <a:schemeClr val="bg1"/>
+                </a:solidFill>
+              </a:rPr>
+              <a:t>L</a:t>
+            </a:r>
+            <a:r>
+              <a:rPr lang="en-US" smtClean="0">
+                <a:solidFill>
+                  <a:schemeClr val="bg1"/>
+                </a:solidFill>
+              </a:rPr>
+              <a:t>inear Multivariate </a:t>
+            </a:r>
+            <a:r>
+              <a:rPr lang="en-US" dirty="0" smtClean="0">
+                <a:solidFill>
+                  <a:schemeClr val="bg1"/>
+                </a:solidFill>
+              </a:rPr>
+              <a:t>Regression Model-</a:t>
             </a:r>
           </a:p>
           <a:p>
@@ -4706,6 +4734,13 @@
   <p:clrMapOvr>
     <a:masterClrMapping/>
   </p:clrMapOvr>
+  <p:timing>
+    <p:tnLst>
+      <p:par>
+        <p:cTn id="1" dur="indefinite" restart="never" nodeType="tmRoot"/>
+      </p:par>
+    </p:tnLst>
+  </p:timing>
 </p:sld>
 </file>
 
@@ -6794,6 +6829,13 @@
   <p:clrMapOvr>
     <a:masterClrMapping/>
   </p:clrMapOvr>
+  <p:timing>
+    <p:tnLst>
+      <p:par>
+        <p:cTn id="1" dur="indefinite" restart="never" nodeType="tmRoot"/>
+      </p:par>
+    </p:tnLst>
+  </p:timing>
 </p:sld>
 </file>
 
